--- a/SQLLDR/SQL_loader_simplified.pptx
+++ b/SQLLDR/SQL_loader_simplified.pptx
@@ -13,23 +13,22 @@
     <p:sldId id="262" r:id="rId7"/>
     <p:sldId id="263" r:id="rId8"/>
     <p:sldId id="279" r:id="rId9"/>
-    <p:sldId id="280" r:id="rId10"/>
-    <p:sldId id="267" r:id="rId11"/>
-    <p:sldId id="268" r:id="rId12"/>
-    <p:sldId id="257" r:id="rId13"/>
-    <p:sldId id="264" r:id="rId14"/>
-    <p:sldId id="265" r:id="rId15"/>
-    <p:sldId id="266" r:id="rId16"/>
-    <p:sldId id="269" r:id="rId17"/>
-    <p:sldId id="270" r:id="rId18"/>
-    <p:sldId id="271" r:id="rId19"/>
-    <p:sldId id="272" r:id="rId20"/>
-    <p:sldId id="273" r:id="rId21"/>
-    <p:sldId id="274" r:id="rId22"/>
-    <p:sldId id="275" r:id="rId23"/>
-    <p:sldId id="276" r:id="rId24"/>
-    <p:sldId id="277" r:id="rId25"/>
-    <p:sldId id="278" r:id="rId26"/>
+    <p:sldId id="267" r:id="rId10"/>
+    <p:sldId id="268" r:id="rId11"/>
+    <p:sldId id="257" r:id="rId12"/>
+    <p:sldId id="264" r:id="rId13"/>
+    <p:sldId id="265" r:id="rId14"/>
+    <p:sldId id="266" r:id="rId15"/>
+    <p:sldId id="269" r:id="rId16"/>
+    <p:sldId id="270" r:id="rId17"/>
+    <p:sldId id="271" r:id="rId18"/>
+    <p:sldId id="272" r:id="rId19"/>
+    <p:sldId id="273" r:id="rId20"/>
+    <p:sldId id="274" r:id="rId21"/>
+    <p:sldId id="275" r:id="rId22"/>
+    <p:sldId id="276" r:id="rId23"/>
+    <p:sldId id="277" r:id="rId24"/>
+    <p:sldId id="278" r:id="rId25"/>
   </p:sldIdLst>
   <p:sldSz cx="9144000" cy="6858000" type="screen4x3"/>
   <p:notesSz cx="6858000" cy="9144000"/>
@@ -312,7 +311,7 @@
           <a:p>
             <a:fld id="{96F867AA-05B1-473C-B403-13DDD77ADEAF}" type="datetimeFigureOut">
               <a:rPr lang="en-US" smtClean="0"/>
-              <a:t>2/20/2015</a:t>
+              <a:t>2/21/2015</a:t>
             </a:fld>
             <a:endParaRPr lang="en-US"/>
           </a:p>
@@ -482,7 +481,7 @@
           <a:p>
             <a:fld id="{96F867AA-05B1-473C-B403-13DDD77ADEAF}" type="datetimeFigureOut">
               <a:rPr lang="en-US" smtClean="0"/>
-              <a:t>2/20/2015</a:t>
+              <a:t>2/21/2015</a:t>
             </a:fld>
             <a:endParaRPr lang="en-US"/>
           </a:p>
@@ -662,7 +661,7 @@
           <a:p>
             <a:fld id="{96F867AA-05B1-473C-B403-13DDD77ADEAF}" type="datetimeFigureOut">
               <a:rPr lang="en-US" smtClean="0"/>
-              <a:t>2/20/2015</a:t>
+              <a:t>2/21/2015</a:t>
             </a:fld>
             <a:endParaRPr lang="en-US"/>
           </a:p>
@@ -832,7 +831,7 @@
           <a:p>
             <a:fld id="{96F867AA-05B1-473C-B403-13DDD77ADEAF}" type="datetimeFigureOut">
               <a:rPr lang="en-US" smtClean="0"/>
-              <a:t>2/20/2015</a:t>
+              <a:t>2/21/2015</a:t>
             </a:fld>
             <a:endParaRPr lang="en-US"/>
           </a:p>
@@ -1078,7 +1077,7 @@
           <a:p>
             <a:fld id="{96F867AA-05B1-473C-B403-13DDD77ADEAF}" type="datetimeFigureOut">
               <a:rPr lang="en-US" smtClean="0"/>
-              <a:t>2/20/2015</a:t>
+              <a:t>2/21/2015</a:t>
             </a:fld>
             <a:endParaRPr lang="en-US"/>
           </a:p>
@@ -1366,7 +1365,7 @@
           <a:p>
             <a:fld id="{96F867AA-05B1-473C-B403-13DDD77ADEAF}" type="datetimeFigureOut">
               <a:rPr lang="en-US" smtClean="0"/>
-              <a:t>2/20/2015</a:t>
+              <a:t>2/21/2015</a:t>
             </a:fld>
             <a:endParaRPr lang="en-US"/>
           </a:p>
@@ -1788,7 +1787,7 @@
           <a:p>
             <a:fld id="{96F867AA-05B1-473C-B403-13DDD77ADEAF}" type="datetimeFigureOut">
               <a:rPr lang="en-US" smtClean="0"/>
-              <a:t>2/20/2015</a:t>
+              <a:t>2/21/2015</a:t>
             </a:fld>
             <a:endParaRPr lang="en-US"/>
           </a:p>
@@ -1906,7 +1905,7 @@
           <a:p>
             <a:fld id="{96F867AA-05B1-473C-B403-13DDD77ADEAF}" type="datetimeFigureOut">
               <a:rPr lang="en-US" smtClean="0"/>
-              <a:t>2/20/2015</a:t>
+              <a:t>2/21/2015</a:t>
             </a:fld>
             <a:endParaRPr lang="en-US"/>
           </a:p>
@@ -2001,7 +2000,7 @@
           <a:p>
             <a:fld id="{96F867AA-05B1-473C-B403-13DDD77ADEAF}" type="datetimeFigureOut">
               <a:rPr lang="en-US" smtClean="0"/>
-              <a:t>2/20/2015</a:t>
+              <a:t>2/21/2015</a:t>
             </a:fld>
             <a:endParaRPr lang="en-US"/>
           </a:p>
@@ -2278,7 +2277,7 @@
           <a:p>
             <a:fld id="{96F867AA-05B1-473C-B403-13DDD77ADEAF}" type="datetimeFigureOut">
               <a:rPr lang="en-US" smtClean="0"/>
-              <a:t>2/20/2015</a:t>
+              <a:t>2/21/2015</a:t>
             </a:fld>
             <a:endParaRPr lang="en-US"/>
           </a:p>
@@ -2531,7 +2530,7 @@
           <a:p>
             <a:fld id="{96F867AA-05B1-473C-B403-13DDD77ADEAF}" type="datetimeFigureOut">
               <a:rPr lang="en-US" smtClean="0"/>
-              <a:t>2/20/2015</a:t>
+              <a:t>2/21/2015</a:t>
             </a:fld>
             <a:endParaRPr lang="en-US"/>
           </a:p>
@@ -2744,7 +2743,7 @@
           <a:p>
             <a:fld id="{96F867AA-05B1-473C-B403-13DDD77ADEAF}" type="datetimeFigureOut">
               <a:rPr lang="en-US" smtClean="0"/>
-              <a:t>2/20/2015</a:t>
+              <a:t>2/21/2015</a:t>
             </a:fld>
             <a:endParaRPr lang="en-US"/>
           </a:p>
@@ -3236,114 +3235,6 @@
           <a:p>
             <a:r>
               <a:rPr lang="en-US" dirty="0" smtClean="0"/>
-              <a:t>SQLLDR</a:t>
-            </a:r>
-            <a:endParaRPr lang="en-US" dirty="0"/>
-          </a:p>
-        </p:txBody>
-      </p:sp>
-      <p:sp>
-        <p:nvSpPr>
-          <p:cNvPr id="3" name="Content Placeholder 2"/>
-          <p:cNvSpPr>
-            <a:spLocks noGrp="1"/>
-          </p:cNvSpPr>
-          <p:nvPr>
-            <p:ph idx="1"/>
-          </p:nvPr>
-        </p:nvSpPr>
-        <p:spPr/>
-        <p:txBody>
-          <a:bodyPr/>
-          <a:lstStyle/>
-          <a:p>
-            <a:pPr marL="0" indent="0">
-              <a:buNone/>
-            </a:pPr>
-            <a:r>
-              <a:rPr lang="en-US" dirty="0" smtClean="0"/>
-              <a:t>The command to start SQL* Loader is </a:t>
-            </a:r>
-            <a:r>
-              <a:rPr lang="en-US" b="1" dirty="0" smtClean="0"/>
-              <a:t>SQLLDR</a:t>
-            </a:r>
-            <a:r>
-              <a:rPr lang="en-US" dirty="0" smtClean="0"/>
-              <a:t>.  The only three parameters that is required  of the SQLLDR command are Username/password,   the control file  and the log file.  The other parameters are optional.  </a:t>
-            </a:r>
-          </a:p>
-          <a:p>
-            <a:pPr marL="0" indent="0">
-              <a:buNone/>
-            </a:pPr>
-            <a:endParaRPr lang="en-US" dirty="0" smtClean="0"/>
-          </a:p>
-          <a:p>
-            <a:pPr marL="0" indent="0">
-              <a:buNone/>
-            </a:pPr>
-            <a:r>
-              <a:rPr lang="en-US" dirty="0" smtClean="0"/>
-              <a:t>However if records are rejected in the load process, the bad file is created automatically. </a:t>
-            </a:r>
-          </a:p>
-        </p:txBody>
-      </p:sp>
-    </p:spTree>
-    <p:extLst>
-      <p:ext uri="{BB962C8B-B14F-4D97-AF65-F5344CB8AC3E}">
-        <p14:creationId xmlns:p14="http://schemas.microsoft.com/office/powerpoint/2010/main" val="727945708"/>
-      </p:ext>
-    </p:extLst>
-  </p:cSld>
-  <p:clrMapOvr>
-    <a:masterClrMapping/>
-  </p:clrMapOvr>
-  <p:timing>
-    <p:tnLst>
-      <p:par>
-        <p:cTn id="1" dur="indefinite" restart="never" nodeType="tmRoot"/>
-      </p:par>
-    </p:tnLst>
-  </p:timing>
-</p:sld>
-</file>
-
-<file path=ppt/slides/slide11.xml><?xml version="1.0" encoding="utf-8"?>
-<p:sld xmlns:a="http://schemas.openxmlformats.org/drawingml/2006/main" xmlns:r="http://schemas.openxmlformats.org/officeDocument/2006/relationships" xmlns:p="http://schemas.openxmlformats.org/presentationml/2006/main">
-  <p:cSld>
-    <p:spTree>
-      <p:nvGrpSpPr>
-        <p:cNvPr id="1" name=""/>
-        <p:cNvGrpSpPr/>
-        <p:nvPr/>
-      </p:nvGrpSpPr>
-      <p:grpSpPr>
-        <a:xfrm>
-          <a:off x="0" y="0"/>
-          <a:ext cx="0" cy="0"/>
-          <a:chOff x="0" y="0"/>
-          <a:chExt cx="0" cy="0"/>
-        </a:xfrm>
-      </p:grpSpPr>
-      <p:sp>
-        <p:nvSpPr>
-          <p:cNvPr id="2" name="Title 1"/>
-          <p:cNvSpPr>
-            <a:spLocks noGrp="1"/>
-          </p:cNvSpPr>
-          <p:nvPr>
-            <p:ph type="title"/>
-          </p:nvPr>
-        </p:nvSpPr>
-        <p:spPr/>
-        <p:txBody>
-          <a:bodyPr/>
-          <a:lstStyle/>
-          <a:p>
-            <a:r>
-              <a:rPr lang="en-US" dirty="0" smtClean="0"/>
               <a:t>SQLLDR Options</a:t>
             </a:r>
             <a:endParaRPr lang="en-US" dirty="0"/>
@@ -3450,7 +3341,7 @@
 </p:sld>
 </file>
 
-<file path=ppt/slides/slide12.xml><?xml version="1.0" encoding="utf-8"?>
+<file path=ppt/slides/slide11.xml><?xml version="1.0" encoding="utf-8"?>
 <p:sld xmlns:a="http://schemas.openxmlformats.org/drawingml/2006/main" xmlns:r="http://schemas.openxmlformats.org/officeDocument/2006/relationships" xmlns:p="http://schemas.openxmlformats.org/presentationml/2006/main">
   <p:cSld>
     <p:spTree>
@@ -3580,7 +3471,7 @@
 </p:sld>
 </file>
 
-<file path=ppt/slides/slide13.xml><?xml version="1.0" encoding="utf-8"?>
+<file path=ppt/slides/slide12.xml><?xml version="1.0" encoding="utf-8"?>
 <p:sld xmlns:a="http://schemas.openxmlformats.org/drawingml/2006/main" xmlns:r="http://schemas.openxmlformats.org/officeDocument/2006/relationships" xmlns:p="http://schemas.openxmlformats.org/presentationml/2006/main">
   <p:cSld>
     <p:spTree>
@@ -3729,7 +3620,7 @@
 </p:sld>
 </file>
 
-<file path=ppt/slides/slide14.xml><?xml version="1.0" encoding="utf-8"?>
+<file path=ppt/slides/slide13.xml><?xml version="1.0" encoding="utf-8"?>
 <p:sld xmlns:a="http://schemas.openxmlformats.org/drawingml/2006/main" xmlns:r="http://schemas.openxmlformats.org/officeDocument/2006/relationships" xmlns:p="http://schemas.openxmlformats.org/presentationml/2006/main">
   <p:cSld>
     <p:spTree>
@@ -3886,6 +3777,273 @@
 </p:sld>
 </file>
 
+<file path=ppt/slides/slide14.xml><?xml version="1.0" encoding="utf-8"?>
+<p:sld xmlns:a="http://schemas.openxmlformats.org/drawingml/2006/main" xmlns:r="http://schemas.openxmlformats.org/officeDocument/2006/relationships" xmlns:p="http://schemas.openxmlformats.org/presentationml/2006/main">
+  <p:cSld>
+    <p:spTree>
+      <p:nvGrpSpPr>
+        <p:cNvPr id="1" name=""/>
+        <p:cNvGrpSpPr/>
+        <p:nvPr/>
+      </p:nvGrpSpPr>
+      <p:grpSpPr>
+        <a:xfrm>
+          <a:off x="0" y="0"/>
+          <a:ext cx="0" cy="0"/>
+          <a:chOff x="0" y="0"/>
+          <a:chExt cx="0" cy="0"/>
+        </a:xfrm>
+      </p:grpSpPr>
+      <p:sp>
+        <p:nvSpPr>
+          <p:cNvPr id="2" name="Title 1"/>
+          <p:cNvSpPr>
+            <a:spLocks noGrp="1"/>
+          </p:cNvSpPr>
+          <p:nvPr>
+            <p:ph type="title"/>
+          </p:nvPr>
+        </p:nvSpPr>
+        <p:spPr/>
+        <p:txBody>
+          <a:bodyPr/>
+          <a:lstStyle/>
+          <a:p>
+            <a:r>
+              <a:rPr lang="en-US" dirty="0" smtClean="0"/>
+              <a:t>Target Tables</a:t>
+            </a:r>
+            <a:endParaRPr lang="en-US" dirty="0"/>
+          </a:p>
+        </p:txBody>
+      </p:sp>
+      <p:sp>
+        <p:nvSpPr>
+          <p:cNvPr id="3" name="Content Placeholder 2"/>
+          <p:cNvSpPr>
+            <a:spLocks noGrp="1"/>
+          </p:cNvSpPr>
+          <p:nvPr>
+            <p:ph idx="1"/>
+          </p:nvPr>
+        </p:nvSpPr>
+        <p:spPr/>
+        <p:txBody>
+          <a:bodyPr>
+            <a:normAutofit lnSpcReduction="10000"/>
+          </a:bodyPr>
+          <a:lstStyle/>
+          <a:p>
+            <a:pPr marL="0" indent="0">
+              <a:buNone/>
+            </a:pPr>
+            <a:r>
+              <a:rPr lang="en-US" sz="2400" dirty="0"/>
+              <a:t>create table </a:t>
+            </a:r>
+            <a:r>
+              <a:rPr lang="en-US" sz="2400" b="1" dirty="0">
+                <a:solidFill>
+                  <a:srgbClr val="FF0000"/>
+                </a:solidFill>
+              </a:rPr>
+              <a:t>txt_employees</a:t>
+            </a:r>
+            <a:r>
+              <a:rPr lang="en-US" sz="2400" dirty="0"/>
+              <a:t>(</a:t>
+            </a:r>
+          </a:p>
+          <a:p>
+            <a:pPr marL="0" indent="0">
+              <a:buNone/>
+            </a:pPr>
+            <a:r>
+              <a:rPr lang="en-US" sz="2400" dirty="0"/>
+              <a:t> EMPLOYEE_ID 	</a:t>
+            </a:r>
+            <a:r>
+              <a:rPr lang="en-US" sz="2400" dirty="0" smtClean="0"/>
+              <a:t>	NUMBER(6</a:t>
+            </a:r>
+            <a:r>
+              <a:rPr lang="en-US" sz="2400" dirty="0"/>
+              <a:t>),</a:t>
+            </a:r>
+          </a:p>
+          <a:p>
+            <a:pPr marL="0" indent="0">
+              <a:buNone/>
+            </a:pPr>
+            <a:r>
+              <a:rPr lang="en-US" sz="2400" dirty="0"/>
+              <a:t> FIRST_NAME </a:t>
+            </a:r>
+            <a:r>
+              <a:rPr lang="en-US" sz="2400" dirty="0" smtClean="0"/>
+              <a:t>			VARCHAR2(20</a:t>
+            </a:r>
+            <a:r>
+              <a:rPr lang="en-US" sz="2400" dirty="0"/>
+              <a:t>),</a:t>
+            </a:r>
+          </a:p>
+          <a:p>
+            <a:pPr marL="0" indent="0">
+              <a:buNone/>
+            </a:pPr>
+            <a:r>
+              <a:rPr lang="en-US" sz="2400" dirty="0"/>
+              <a:t> </a:t>
+            </a:r>
+            <a:r>
+              <a:rPr lang="en-US" sz="2400" dirty="0" smtClean="0"/>
+              <a:t>LAST_NAME			VARCHAR2(25</a:t>
+            </a:r>
+            <a:r>
+              <a:rPr lang="en-US" sz="2400" dirty="0"/>
+              <a:t>),</a:t>
+            </a:r>
+          </a:p>
+          <a:p>
+            <a:pPr marL="0" indent="0">
+              <a:buNone/>
+            </a:pPr>
+            <a:r>
+              <a:rPr lang="en-US" sz="2400" dirty="0"/>
+              <a:t> HIRE_DATE </a:t>
+            </a:r>
+            <a:r>
+              <a:rPr lang="en-US" sz="2400" dirty="0" smtClean="0"/>
+              <a:t>			DATE</a:t>
+            </a:r>
+            <a:r>
+              <a:rPr lang="en-US" sz="2400" dirty="0"/>
+              <a:t>,</a:t>
+            </a:r>
+          </a:p>
+          <a:p>
+            <a:pPr marL="0" indent="0">
+              <a:buNone/>
+            </a:pPr>
+            <a:r>
+              <a:rPr lang="en-US" sz="2400" dirty="0"/>
+              <a:t> JOB_ID              </a:t>
+            </a:r>
+            <a:r>
+              <a:rPr lang="en-US" sz="2400" dirty="0" smtClean="0"/>
+              <a:t>		VARCHAR2(10</a:t>
+            </a:r>
+            <a:r>
+              <a:rPr lang="en-US" sz="2400" dirty="0"/>
+              <a:t>),</a:t>
+            </a:r>
+          </a:p>
+          <a:p>
+            <a:pPr marL="0" indent="0">
+              <a:buNone/>
+            </a:pPr>
+            <a:r>
+              <a:rPr lang="en-US" sz="2400" dirty="0"/>
+              <a:t> SALARY              </a:t>
+            </a:r>
+            <a:r>
+              <a:rPr lang="en-US" sz="2400" dirty="0" smtClean="0"/>
+              <a:t>		NUMBER(8,2</a:t>
+            </a:r>
+            <a:r>
+              <a:rPr lang="en-US" sz="2400" dirty="0"/>
+              <a:t>),</a:t>
+            </a:r>
+          </a:p>
+          <a:p>
+            <a:pPr marL="0" indent="0">
+              <a:buNone/>
+            </a:pPr>
+            <a:r>
+              <a:rPr lang="en-US" sz="2400" dirty="0"/>
+              <a:t> MANAGER_ID </a:t>
+            </a:r>
+            <a:r>
+              <a:rPr lang="en-US" sz="2400" dirty="0" smtClean="0"/>
+              <a:t>		NUMBER(6</a:t>
+            </a:r>
+            <a:r>
+              <a:rPr lang="en-US" sz="2400" dirty="0"/>
+              <a:t>),</a:t>
+            </a:r>
+          </a:p>
+          <a:p>
+            <a:pPr marL="0" indent="0">
+              <a:buNone/>
+            </a:pPr>
+            <a:r>
+              <a:rPr lang="en-US" sz="2400" dirty="0"/>
+              <a:t> </a:t>
+            </a:r>
+            <a:r>
+              <a:rPr lang="en-US" sz="2400" dirty="0" smtClean="0"/>
+              <a:t>DEPARTMENT_ID		 </a:t>
+            </a:r>
+            <a:r>
+              <a:rPr lang="en-US" sz="2400" dirty="0"/>
+              <a:t>NUMBER(4)</a:t>
+            </a:r>
+          </a:p>
+          <a:p>
+            <a:pPr marL="0" indent="0">
+              <a:buNone/>
+            </a:pPr>
+            <a:r>
+              <a:rPr lang="en-US" sz="2400" dirty="0" smtClean="0"/>
+              <a:t>);</a:t>
+            </a:r>
+            <a:endParaRPr lang="en-US" sz="2400" dirty="0"/>
+          </a:p>
+          <a:p>
+            <a:pPr marL="0" indent="0">
+              <a:buNone/>
+            </a:pPr>
+            <a:r>
+              <a:rPr lang="en-US" sz="2400" dirty="0"/>
+              <a:t>create table </a:t>
+            </a:r>
+            <a:r>
+              <a:rPr lang="en-US" sz="2400" b="1" dirty="0">
+                <a:solidFill>
+                  <a:srgbClr val="FF0000"/>
+                </a:solidFill>
+              </a:rPr>
+              <a:t>csv_employees </a:t>
+            </a:r>
+            <a:r>
+              <a:rPr lang="en-US" sz="2400" dirty="0"/>
+              <a:t>as select * from txt_employees;</a:t>
+            </a:r>
+            <a:endParaRPr lang="en-US" sz="2400" dirty="0" smtClean="0"/>
+          </a:p>
+        </p:txBody>
+      </p:sp>
+    </p:spTree>
+    <p:extLst>
+      <p:ext uri="{BB962C8B-B14F-4D97-AF65-F5344CB8AC3E}">
+        <p14:creationId xmlns:p14="http://schemas.microsoft.com/office/powerpoint/2010/main" val="3191917619"/>
+      </p:ext>
+    </p:extLst>
+  </p:cSld>
+  <p:clrMapOvr>
+    <a:masterClrMapping/>
+  </p:clrMapOvr>
+  <p:timing>
+    <p:tnLst>
+      <p:par>
+        <p:cTn id="1" dur="indefinite" restart="never" nodeType="tmRoot"/>
+      </p:par>
+    </p:tnLst>
+  </p:timing>
+</p:sld>
+</file>
+
 <file path=ppt/slides/slide15.xml><?xml version="1.0" encoding="utf-8"?>
 <p:sld xmlns:a="http://schemas.openxmlformats.org/drawingml/2006/main" xmlns:r="http://schemas.openxmlformats.org/officeDocument/2006/relationships" xmlns:p="http://schemas.openxmlformats.org/presentationml/2006/main">
   <p:cSld>
@@ -3920,7 +4078,7 @@
           <a:p>
             <a:r>
               <a:rPr lang="en-US" dirty="0" smtClean="0"/>
-              <a:t>Target Tables</a:t>
+              <a:t>Control File – CSV Load</a:t>
             </a:r>
             <a:endParaRPr lang="en-US" dirty="0"/>
           </a:p>
@@ -3939,7 +4097,7 @@
         <p:spPr/>
         <p:txBody>
           <a:bodyPr>
-            <a:normAutofit lnSpcReduction="10000"/>
+            <a:normAutofit fontScale="92500" lnSpcReduction="10000"/>
           </a:bodyPr>
           <a:lstStyle/>
           <a:p>
@@ -3947,20 +4105,8 @@
               <a:buNone/>
             </a:pPr>
             <a:r>
-              <a:rPr lang="en-US" sz="2400" dirty="0"/>
-              <a:t>create table </a:t>
-            </a:r>
-            <a:r>
-              <a:rPr lang="en-US" sz="2400" b="1" dirty="0">
-                <a:solidFill>
-                  <a:srgbClr val="FF0000"/>
-                </a:solidFill>
-              </a:rPr>
-              <a:t>txt_employees</a:t>
-            </a:r>
-            <a:r>
-              <a:rPr lang="en-US" sz="2400" dirty="0"/>
-              <a:t>(</a:t>
+              <a:rPr lang="en-US" dirty="0"/>
+              <a:t>load data</a:t>
             </a:r>
           </a:p>
           <a:p>
@@ -3968,16 +4114,16 @@
               <a:buNone/>
             </a:pPr>
             <a:r>
-              <a:rPr lang="en-US" sz="2400" dirty="0"/>
-              <a:t> EMPLOYEE_ID 	</a:t>
-            </a:r>
-            <a:r>
-              <a:rPr lang="en-US" sz="2400" dirty="0" smtClean="0"/>
-              <a:t>	NUMBER(6</a:t>
-            </a:r>
-            <a:r>
-              <a:rPr lang="en-US" sz="2400" dirty="0"/>
-              <a:t>),</a:t>
+              <a:rPr lang="en-US" dirty="0"/>
+              <a:t>infile </a:t>
+            </a:r>
+            <a:r>
+              <a:rPr lang="en-US" dirty="0" smtClean="0"/>
+              <a:t>‘D:\interview_project\csv_data.csv</a:t>
+            </a:r>
+            <a:r>
+              <a:rPr lang="en-US" dirty="0"/>
+              <a:t>'</a:t>
             </a:r>
           </a:p>
           <a:p>
@@ -3985,16 +4131,8 @@
               <a:buNone/>
             </a:pPr>
             <a:r>
-              <a:rPr lang="en-US" sz="2400" dirty="0"/>
-              <a:t> FIRST_NAME </a:t>
-            </a:r>
-            <a:r>
-              <a:rPr lang="en-US" sz="2400" dirty="0" smtClean="0"/>
-              <a:t>			VARCHAR2(20</a:t>
-            </a:r>
-            <a:r>
-              <a:rPr lang="en-US" sz="2400" dirty="0"/>
-              <a:t>),</a:t>
+              <a:rPr lang="en-US" dirty="0"/>
+              <a:t>into table csv_employees</a:t>
             </a:r>
           </a:p>
           <a:p>
@@ -4002,16 +4140,8 @@
               <a:buNone/>
             </a:pPr>
             <a:r>
-              <a:rPr lang="en-US" sz="2400" dirty="0"/>
-              <a:t> </a:t>
-            </a:r>
-            <a:r>
-              <a:rPr lang="en-US" sz="2400" dirty="0" smtClean="0"/>
-              <a:t>LAST_NAME			VARCHAR2(25</a:t>
-            </a:r>
-            <a:r>
-              <a:rPr lang="en-US" sz="2400" dirty="0"/>
-              <a:t>),</a:t>
+              <a:rPr lang="en-US" dirty="0"/>
+              <a:t>fields terminated by ','</a:t>
             </a:r>
           </a:p>
           <a:p>
@@ -4019,16 +4149,8 @@
               <a:buNone/>
             </a:pPr>
             <a:r>
-              <a:rPr lang="en-US" sz="2400" dirty="0"/>
-              <a:t> HIRE_DATE </a:t>
-            </a:r>
-            <a:r>
-              <a:rPr lang="en-US" sz="2400" dirty="0" smtClean="0"/>
-              <a:t>			DATE</a:t>
-            </a:r>
-            <a:r>
-              <a:rPr lang="en-US" sz="2400" dirty="0"/>
-              <a:t>,</a:t>
+              <a:rPr lang="en-US" dirty="0"/>
+              <a:t>TRAILING NULLCOLS</a:t>
             </a:r>
           </a:p>
           <a:p>
@@ -4036,16 +4158,8 @@
               <a:buNone/>
             </a:pPr>
             <a:r>
-              <a:rPr lang="en-US" sz="2400" dirty="0"/>
-              <a:t> JOB_ID              </a:t>
-            </a:r>
-            <a:r>
-              <a:rPr lang="en-US" sz="2400" dirty="0" smtClean="0"/>
-              <a:t>		VARCHAR2(10</a:t>
-            </a:r>
-            <a:r>
-              <a:rPr lang="en-US" sz="2400" dirty="0"/>
-              <a:t>),</a:t>
+              <a:rPr lang="en-US" dirty="0"/>
+              <a:t>(employee_id, first_name, last_name, </a:t>
             </a:r>
           </a:p>
           <a:p>
@@ -4053,16 +4167,8 @@
               <a:buNone/>
             </a:pPr>
             <a:r>
-              <a:rPr lang="en-US" sz="2400" dirty="0"/>
-              <a:t> SALARY              </a:t>
-            </a:r>
-            <a:r>
-              <a:rPr lang="en-US" sz="2400" dirty="0" smtClean="0"/>
-              <a:t>		NUMBER(8,2</a:t>
-            </a:r>
-            <a:r>
-              <a:rPr lang="en-US" sz="2400" dirty="0"/>
-              <a:t>),</a:t>
+              <a:rPr lang="en-US" dirty="0"/>
+              <a:t>hire_date, job_id, salary,</a:t>
             </a:r>
           </a:p>
           <a:p>
@@ -4070,73 +4176,16 @@
               <a:buNone/>
             </a:pPr>
             <a:r>
-              <a:rPr lang="en-US" sz="2400" dirty="0"/>
-              <a:t> MANAGER_ID </a:t>
-            </a:r>
-            <a:r>
-              <a:rPr lang="en-US" sz="2400" dirty="0" smtClean="0"/>
-              <a:t>		NUMBER(6</a:t>
-            </a:r>
-            <a:r>
-              <a:rPr lang="en-US" sz="2400" dirty="0"/>
-              <a:t>),</a:t>
-            </a:r>
-          </a:p>
-          <a:p>
-            <a:pPr marL="0" indent="0">
-              <a:buNone/>
-            </a:pPr>
-            <a:r>
-              <a:rPr lang="en-US" sz="2400" dirty="0"/>
-              <a:t> </a:t>
-            </a:r>
-            <a:r>
-              <a:rPr lang="en-US" sz="2400" dirty="0" smtClean="0"/>
-              <a:t>DEPARTMENT_ID		 </a:t>
-            </a:r>
-            <a:r>
-              <a:rPr lang="en-US" sz="2400" dirty="0"/>
-              <a:t>NUMBER(4)</a:t>
-            </a:r>
-          </a:p>
-          <a:p>
-            <a:pPr marL="0" indent="0">
-              <a:buNone/>
-            </a:pPr>
-            <a:r>
-              <a:rPr lang="en-US" sz="2400" dirty="0" smtClean="0"/>
-              <a:t>);</a:t>
-            </a:r>
-            <a:endParaRPr lang="en-US" sz="2400" dirty="0"/>
-          </a:p>
-          <a:p>
-            <a:pPr marL="0" indent="0">
-              <a:buNone/>
-            </a:pPr>
-            <a:r>
-              <a:rPr lang="en-US" sz="2400" dirty="0"/>
-              <a:t>create table </a:t>
-            </a:r>
-            <a:r>
-              <a:rPr lang="en-US" sz="2400" b="1" dirty="0">
-                <a:solidFill>
-                  <a:srgbClr val="FF0000"/>
-                </a:solidFill>
-              </a:rPr>
-              <a:t>csv_employees </a:t>
-            </a:r>
-            <a:r>
-              <a:rPr lang="en-US" sz="2400" dirty="0"/>
-              <a:t>as select * from txt_employees;</a:t>
-            </a:r>
-            <a:endParaRPr lang="en-US" sz="2400" dirty="0" smtClean="0"/>
+              <a:rPr lang="en-US" dirty="0"/>
+              <a:t>manager_id nullif manager_id = BLANKS, department_id nullif department_id= BLANKS)</a:t>
+            </a:r>
           </a:p>
         </p:txBody>
       </p:sp>
     </p:spTree>
     <p:extLst>
       <p:ext uri="{BB962C8B-B14F-4D97-AF65-F5344CB8AC3E}">
-        <p14:creationId xmlns:p14="http://schemas.microsoft.com/office/powerpoint/2010/main" val="3191917619"/>
+        <p14:creationId xmlns:p14="http://schemas.microsoft.com/office/powerpoint/2010/main" val="644051262"/>
       </p:ext>
     </p:extLst>
   </p:cSld>
@@ -4187,164 +4236,6 @@
           <a:p>
             <a:r>
               <a:rPr lang="en-US" dirty="0" smtClean="0"/>
-              <a:t>Control File – CSV Load</a:t>
-            </a:r>
-            <a:endParaRPr lang="en-US" dirty="0"/>
-          </a:p>
-        </p:txBody>
-      </p:sp>
-      <p:sp>
-        <p:nvSpPr>
-          <p:cNvPr id="3" name="Content Placeholder 2"/>
-          <p:cNvSpPr>
-            <a:spLocks noGrp="1"/>
-          </p:cNvSpPr>
-          <p:nvPr>
-            <p:ph idx="1"/>
-          </p:nvPr>
-        </p:nvSpPr>
-        <p:spPr/>
-        <p:txBody>
-          <a:bodyPr>
-            <a:normAutofit fontScale="92500" lnSpcReduction="10000"/>
-          </a:bodyPr>
-          <a:lstStyle/>
-          <a:p>
-            <a:pPr marL="0" indent="0">
-              <a:buNone/>
-            </a:pPr>
-            <a:r>
-              <a:rPr lang="en-US" dirty="0"/>
-              <a:t>load data</a:t>
-            </a:r>
-          </a:p>
-          <a:p>
-            <a:pPr marL="0" indent="0">
-              <a:buNone/>
-            </a:pPr>
-            <a:r>
-              <a:rPr lang="en-US" dirty="0"/>
-              <a:t>infile </a:t>
-            </a:r>
-            <a:r>
-              <a:rPr lang="en-US" dirty="0" smtClean="0"/>
-              <a:t>‘D:\interview_project\csv_data.csv</a:t>
-            </a:r>
-            <a:r>
-              <a:rPr lang="en-US" dirty="0"/>
-              <a:t>'</a:t>
-            </a:r>
-          </a:p>
-          <a:p>
-            <a:pPr marL="0" indent="0">
-              <a:buNone/>
-            </a:pPr>
-            <a:r>
-              <a:rPr lang="en-US" dirty="0"/>
-              <a:t>into table csv_employees</a:t>
-            </a:r>
-          </a:p>
-          <a:p>
-            <a:pPr marL="0" indent="0">
-              <a:buNone/>
-            </a:pPr>
-            <a:r>
-              <a:rPr lang="en-US" dirty="0"/>
-              <a:t>fields terminated by ','</a:t>
-            </a:r>
-          </a:p>
-          <a:p>
-            <a:pPr marL="0" indent="0">
-              <a:buNone/>
-            </a:pPr>
-            <a:r>
-              <a:rPr lang="en-US" dirty="0"/>
-              <a:t>TRAILING NULLCOLS</a:t>
-            </a:r>
-          </a:p>
-          <a:p>
-            <a:pPr marL="0" indent="0">
-              <a:buNone/>
-            </a:pPr>
-            <a:r>
-              <a:rPr lang="en-US" dirty="0"/>
-              <a:t>(employee_id, first_name, last_name, </a:t>
-            </a:r>
-          </a:p>
-          <a:p>
-            <a:pPr marL="0" indent="0">
-              <a:buNone/>
-            </a:pPr>
-            <a:r>
-              <a:rPr lang="en-US" dirty="0"/>
-              <a:t>hire_date, job_id, salary,</a:t>
-            </a:r>
-          </a:p>
-          <a:p>
-            <a:pPr marL="0" indent="0">
-              <a:buNone/>
-            </a:pPr>
-            <a:r>
-              <a:rPr lang="en-US" dirty="0"/>
-              <a:t>manager_id nullif manager_id = BLANKS, department_id nullif department_id= BLANKS)</a:t>
-            </a:r>
-          </a:p>
-        </p:txBody>
-      </p:sp>
-    </p:spTree>
-    <p:extLst>
-      <p:ext uri="{BB962C8B-B14F-4D97-AF65-F5344CB8AC3E}">
-        <p14:creationId xmlns:p14="http://schemas.microsoft.com/office/powerpoint/2010/main" val="644051262"/>
-      </p:ext>
-    </p:extLst>
-  </p:cSld>
-  <p:clrMapOvr>
-    <a:masterClrMapping/>
-  </p:clrMapOvr>
-  <p:timing>
-    <p:tnLst>
-      <p:par>
-        <p:cTn id="1" dur="indefinite" restart="never" nodeType="tmRoot"/>
-      </p:par>
-    </p:tnLst>
-  </p:timing>
-</p:sld>
-</file>
-
-<file path=ppt/slides/slide17.xml><?xml version="1.0" encoding="utf-8"?>
-<p:sld xmlns:a="http://schemas.openxmlformats.org/drawingml/2006/main" xmlns:r="http://schemas.openxmlformats.org/officeDocument/2006/relationships" xmlns:p="http://schemas.openxmlformats.org/presentationml/2006/main">
-  <p:cSld>
-    <p:spTree>
-      <p:nvGrpSpPr>
-        <p:cNvPr id="1" name=""/>
-        <p:cNvGrpSpPr/>
-        <p:nvPr/>
-      </p:nvGrpSpPr>
-      <p:grpSpPr>
-        <a:xfrm>
-          <a:off x="0" y="0"/>
-          <a:ext cx="0" cy="0"/>
-          <a:chOff x="0" y="0"/>
-          <a:chExt cx="0" cy="0"/>
-        </a:xfrm>
-      </p:grpSpPr>
-      <p:sp>
-        <p:nvSpPr>
-          <p:cNvPr id="2" name="Title 1"/>
-          <p:cNvSpPr>
-            <a:spLocks noGrp="1"/>
-          </p:cNvSpPr>
-          <p:nvPr>
-            <p:ph type="title"/>
-          </p:nvPr>
-        </p:nvSpPr>
-        <p:spPr/>
-        <p:txBody>
-          <a:bodyPr/>
-          <a:lstStyle/>
-          <a:p>
-            <a:r>
-              <a:rPr lang="en-US" dirty="0" smtClean="0"/>
               <a:t>Execute CSV Load</a:t>
             </a:r>
             <a:endParaRPr lang="en-US" dirty="0"/>
@@ -4449,7 +4340,7 @@
 </p:sld>
 </file>
 
-<file path=ppt/slides/slide18.xml><?xml version="1.0" encoding="utf-8"?>
+<file path=ppt/slides/slide17.xml><?xml version="1.0" encoding="utf-8"?>
 <p:sld xmlns:a="http://schemas.openxmlformats.org/drawingml/2006/main" xmlns:r="http://schemas.openxmlformats.org/officeDocument/2006/relationships" xmlns:p="http://schemas.openxmlformats.org/presentationml/2006/main">
   <p:cSld>
     <p:spTree>
@@ -4565,7 +4456,7 @@
 </p:sld>
 </file>
 
-<file path=ppt/slides/slide19.xml><?xml version="1.0" encoding="utf-8"?>
+<file path=ppt/slides/slide18.xml><?xml version="1.0" encoding="utf-8"?>
 <p:sld xmlns:a="http://schemas.openxmlformats.org/drawingml/2006/main" xmlns:r="http://schemas.openxmlformats.org/officeDocument/2006/relationships" xmlns:p="http://schemas.openxmlformats.org/presentationml/2006/main">
   <p:cSld>
     <p:spTree>
@@ -4723,90 +4614,7 @@
 </p:sld>
 </file>
 
-<file path=ppt/slides/slide2.xml><?xml version="1.0" encoding="utf-8"?>
-<p:sld xmlns:a="http://schemas.openxmlformats.org/drawingml/2006/main" xmlns:r="http://schemas.openxmlformats.org/officeDocument/2006/relationships" xmlns:p="http://schemas.openxmlformats.org/presentationml/2006/main">
-  <p:cSld>
-    <p:spTree>
-      <p:nvGrpSpPr>
-        <p:cNvPr id="1" name=""/>
-        <p:cNvGrpSpPr/>
-        <p:nvPr/>
-      </p:nvGrpSpPr>
-      <p:grpSpPr>
-        <a:xfrm>
-          <a:off x="0" y="0"/>
-          <a:ext cx="0" cy="0"/>
-          <a:chOff x="0" y="0"/>
-          <a:chExt cx="0" cy="0"/>
-        </a:xfrm>
-      </p:grpSpPr>
-      <p:sp>
-        <p:nvSpPr>
-          <p:cNvPr id="2" name="Title 1"/>
-          <p:cNvSpPr>
-            <a:spLocks noGrp="1"/>
-          </p:cNvSpPr>
-          <p:nvPr>
-            <p:ph type="title"/>
-          </p:nvPr>
-        </p:nvSpPr>
-        <p:spPr/>
-        <p:txBody>
-          <a:bodyPr/>
-          <a:lstStyle/>
-          <a:p>
-            <a:r>
-              <a:rPr lang="en-US" dirty="0" smtClean="0"/>
-              <a:t>What is SQL*Loader?</a:t>
-            </a:r>
-            <a:endParaRPr lang="en-US" dirty="0"/>
-          </a:p>
-        </p:txBody>
-      </p:sp>
-      <p:sp>
-        <p:nvSpPr>
-          <p:cNvPr id="3" name="Content Placeholder 2"/>
-          <p:cNvSpPr>
-            <a:spLocks noGrp="1"/>
-          </p:cNvSpPr>
-          <p:nvPr>
-            <p:ph idx="1"/>
-          </p:nvPr>
-        </p:nvSpPr>
-        <p:spPr/>
-        <p:txBody>
-          <a:bodyPr/>
-          <a:lstStyle/>
-          <a:p>
-            <a:r>
-              <a:rPr lang="en-US" dirty="0" smtClean="0"/>
-              <a:t>Oracle Utility that loads data from external files into the Oracle database. </a:t>
-            </a:r>
-            <a:endParaRPr lang="en-US" dirty="0"/>
-          </a:p>
-        </p:txBody>
-      </p:sp>
-    </p:spTree>
-    <p:extLst>
-      <p:ext uri="{BB962C8B-B14F-4D97-AF65-F5344CB8AC3E}">
-        <p14:creationId xmlns:p14="http://schemas.microsoft.com/office/powerpoint/2010/main" val="956541020"/>
-      </p:ext>
-    </p:extLst>
-  </p:cSld>
-  <p:clrMapOvr>
-    <a:masterClrMapping/>
-  </p:clrMapOvr>
-  <p:timing>
-    <p:tnLst>
-      <p:par>
-        <p:cTn id="1" dur="indefinite" restart="never" nodeType="tmRoot"/>
-      </p:par>
-    </p:tnLst>
-  </p:timing>
-</p:sld>
-</file>
-
-<file path=ppt/slides/slide20.xml><?xml version="1.0" encoding="utf-8"?>
+<file path=ppt/slides/slide19.xml><?xml version="1.0" encoding="utf-8"?>
 <p:sld xmlns:a="http://schemas.openxmlformats.org/drawingml/2006/main" xmlns:r="http://schemas.openxmlformats.org/officeDocument/2006/relationships" xmlns:p="http://schemas.openxmlformats.org/presentationml/2006/main">
   <p:cSld>
     <p:spTree>
@@ -4969,7 +4777,90 @@
 </p:sld>
 </file>
 
-<file path=ppt/slides/slide21.xml><?xml version="1.0" encoding="utf-8"?>
+<file path=ppt/slides/slide2.xml><?xml version="1.0" encoding="utf-8"?>
+<p:sld xmlns:a="http://schemas.openxmlformats.org/drawingml/2006/main" xmlns:r="http://schemas.openxmlformats.org/officeDocument/2006/relationships" xmlns:p="http://schemas.openxmlformats.org/presentationml/2006/main">
+  <p:cSld>
+    <p:spTree>
+      <p:nvGrpSpPr>
+        <p:cNvPr id="1" name=""/>
+        <p:cNvGrpSpPr/>
+        <p:nvPr/>
+      </p:nvGrpSpPr>
+      <p:grpSpPr>
+        <a:xfrm>
+          <a:off x="0" y="0"/>
+          <a:ext cx="0" cy="0"/>
+          <a:chOff x="0" y="0"/>
+          <a:chExt cx="0" cy="0"/>
+        </a:xfrm>
+      </p:grpSpPr>
+      <p:sp>
+        <p:nvSpPr>
+          <p:cNvPr id="2" name="Title 1"/>
+          <p:cNvSpPr>
+            <a:spLocks noGrp="1"/>
+          </p:cNvSpPr>
+          <p:nvPr>
+            <p:ph type="title"/>
+          </p:nvPr>
+        </p:nvSpPr>
+        <p:spPr/>
+        <p:txBody>
+          <a:bodyPr/>
+          <a:lstStyle/>
+          <a:p>
+            <a:r>
+              <a:rPr lang="en-US" dirty="0" smtClean="0"/>
+              <a:t>What is SQL*Loader?</a:t>
+            </a:r>
+            <a:endParaRPr lang="en-US" dirty="0"/>
+          </a:p>
+        </p:txBody>
+      </p:sp>
+      <p:sp>
+        <p:nvSpPr>
+          <p:cNvPr id="3" name="Content Placeholder 2"/>
+          <p:cNvSpPr>
+            <a:spLocks noGrp="1"/>
+          </p:cNvSpPr>
+          <p:nvPr>
+            <p:ph idx="1"/>
+          </p:nvPr>
+        </p:nvSpPr>
+        <p:spPr/>
+        <p:txBody>
+          <a:bodyPr/>
+          <a:lstStyle/>
+          <a:p>
+            <a:r>
+              <a:rPr lang="en-US" dirty="0" smtClean="0"/>
+              <a:t>Oracle Utility that loads data from external files into the Oracle database. </a:t>
+            </a:r>
+            <a:endParaRPr lang="en-US" dirty="0"/>
+          </a:p>
+        </p:txBody>
+      </p:sp>
+    </p:spTree>
+    <p:extLst>
+      <p:ext uri="{BB962C8B-B14F-4D97-AF65-F5344CB8AC3E}">
+        <p14:creationId xmlns:p14="http://schemas.microsoft.com/office/powerpoint/2010/main" val="956541020"/>
+      </p:ext>
+    </p:extLst>
+  </p:cSld>
+  <p:clrMapOvr>
+    <a:masterClrMapping/>
+  </p:clrMapOvr>
+  <p:timing>
+    <p:tnLst>
+      <p:par>
+        <p:cTn id="1" dur="indefinite" restart="never" nodeType="tmRoot"/>
+      </p:par>
+    </p:tnLst>
+  </p:timing>
+</p:sld>
+</file>
+
+<file path=ppt/slides/slide20.xml><?xml version="1.0" encoding="utf-8"?>
 <p:sld xmlns:a="http://schemas.openxmlformats.org/drawingml/2006/main" xmlns:r="http://schemas.openxmlformats.org/officeDocument/2006/relationships" xmlns:p="http://schemas.openxmlformats.org/presentationml/2006/main">
   <p:cSld>
     <p:spTree>
@@ -5090,7 +4981,7 @@
 </p:sld>
 </file>
 
-<file path=ppt/slides/slide22.xml><?xml version="1.0" encoding="utf-8"?>
+<file path=ppt/slides/slide21.xml><?xml version="1.0" encoding="utf-8"?>
 <p:sld xmlns:a="http://schemas.openxmlformats.org/drawingml/2006/main" xmlns:r="http://schemas.openxmlformats.org/officeDocument/2006/relationships" xmlns:p="http://schemas.openxmlformats.org/presentationml/2006/main">
   <p:cSld>
     <p:spTree>
@@ -5306,7 +5197,7 @@
 </p:sld>
 </file>
 
-<file path=ppt/slides/slide23.xml><?xml version="1.0" encoding="utf-8"?>
+<file path=ppt/slides/slide22.xml><?xml version="1.0" encoding="utf-8"?>
 <p:sld xmlns:a="http://schemas.openxmlformats.org/drawingml/2006/main" xmlns:r="http://schemas.openxmlformats.org/officeDocument/2006/relationships" xmlns:p="http://schemas.openxmlformats.org/presentationml/2006/main">
   <p:cSld>
     <p:spTree>
@@ -5477,7 +5368,7 @@
 </p:sld>
 </file>
 
-<file path=ppt/slides/slide24.xml><?xml version="1.0" encoding="utf-8"?>
+<file path=ppt/slides/slide23.xml><?xml version="1.0" encoding="utf-8"?>
 <p:sld xmlns:a="http://schemas.openxmlformats.org/drawingml/2006/main" xmlns:r="http://schemas.openxmlformats.org/officeDocument/2006/relationships" xmlns:p="http://schemas.openxmlformats.org/presentationml/2006/main">
   <p:cSld>
     <p:spTree>
@@ -5610,7 +5501,7 @@
 </p:sld>
 </file>
 
-<file path=ppt/slides/slide25.xml><?xml version="1.0" encoding="utf-8"?>
+<file path=ppt/slides/slide24.xml><?xml version="1.0" encoding="utf-8"?>
 <p:sld xmlns:a="http://schemas.openxmlformats.org/drawingml/2006/main" xmlns:r="http://schemas.openxmlformats.org/officeDocument/2006/relationships" xmlns:p="http://schemas.openxmlformats.org/presentationml/2006/main">
   <p:cSld>
     <p:spTree>
@@ -5847,8 +5738,33 @@
           <a:p>
             <a:r>
               <a:rPr lang="en-US" dirty="0" smtClean="0"/>
-              <a:t>Generate error reports</a:t>
-            </a:r>
+              <a:t>Generate error </a:t>
+            </a:r>
+            <a:r>
+              <a:rPr lang="en-US" dirty="0" smtClean="0"/>
+              <a:t>reports</a:t>
+            </a:r>
+          </a:p>
+          <a:p>
+            <a:r>
+              <a:rPr lang="en-US" dirty="0" smtClean="0"/>
+              <a:t>Generate unique sequential key values in specified columns</a:t>
+            </a:r>
+          </a:p>
+          <a:p>
+            <a:r>
+              <a:rPr lang="en-US" dirty="0" smtClean="0"/>
+              <a:t>Manipulate the data before loading it, using SQL functions.</a:t>
+            </a:r>
+          </a:p>
+          <a:p>
+            <a:r>
+              <a:rPr lang="en-US" dirty="0" smtClean="0"/>
+              <a:t>Use secondary datafiles for loading LOBs and collections</a:t>
+            </a:r>
+          </a:p>
+          <a:p>
+            <a:endParaRPr lang="en-US" dirty="0" smtClean="0"/>
           </a:p>
           <a:p>
             <a:endParaRPr lang="en-US" dirty="0"/>
@@ -6070,7 +5986,15 @@
             </a:r>
             <a:r>
               <a:rPr lang="en-US" dirty="0" smtClean="0"/>
-              <a:t>– contains the source data that will be loaded into the database</a:t>
+              <a:t>– contains </a:t>
+            </a:r>
+            <a:r>
+              <a:rPr lang="en-US" dirty="0" smtClean="0"/>
+              <a:t>the </a:t>
+            </a:r>
+            <a:r>
+              <a:rPr lang="en-US" dirty="0" smtClean="0"/>
+              <a:t>data that will be loaded into the database</a:t>
             </a:r>
           </a:p>
           <a:p>
@@ -6301,7 +6225,7 @@
         </p:spPr>
         <p:txBody>
           <a:bodyPr>
-            <a:normAutofit fontScale="92500" lnSpcReduction="10000"/>
+            <a:normAutofit/>
           </a:bodyPr>
           <a:lstStyle/>
           <a:p>
@@ -6314,15 +6238,12 @@
             <a:pPr lvl="1"/>
             <a:r>
               <a:rPr lang="en-US" dirty="0" smtClean="0"/>
-              <a:t>Using bind array inserts</a:t>
+              <a:t>Executes SQL statements to populate tables</a:t>
             </a:r>
           </a:p>
           <a:p>
             <a:pPr lvl="1"/>
-            <a:r>
-              <a:rPr lang="en-US" dirty="0" smtClean="0"/>
-              <a:t>- LOB are stored after bind arrays inserts</a:t>
-            </a:r>
+            <a:endParaRPr lang="en-US" dirty="0" smtClean="0"/>
           </a:p>
           <a:p>
             <a:r>
@@ -6334,34 +6255,17 @@
             <a:pPr lvl="1"/>
             <a:r>
               <a:rPr lang="en-US" dirty="0" smtClean="0"/>
-              <a:t>Using column datatype and builds column array</a:t>
-            </a:r>
-          </a:p>
-          <a:p>
-            <a:pPr lvl="1"/>
-            <a:r>
-              <a:rPr lang="en-US" dirty="0" smtClean="0"/>
-              <a:t>Create block format and writes directly to DB</a:t>
-            </a:r>
-          </a:p>
-          <a:p>
-            <a:r>
-              <a:rPr lang="en-US" dirty="0" smtClean="0"/>
-              <a:t>External Table Loads</a:t>
-            </a:r>
-          </a:p>
-          <a:p>
-            <a:pPr lvl="1"/>
-            <a:r>
-              <a:rPr lang="en-US" dirty="0" smtClean="0"/>
-              <a:t>Creates an external table for data in datafile</a:t>
-            </a:r>
-          </a:p>
-          <a:p>
-            <a:pPr lvl="1"/>
-            <a:r>
-              <a:rPr lang="en-US" dirty="0" smtClean="0"/>
-              <a:t>Execute insets to insert from datafile into target table</a:t>
+              <a:t>Formats data blocks and writes data blocks directly to the database file.</a:t>
+            </a:r>
+            <a:endParaRPr lang="en-US" dirty="0"/>
+          </a:p>
+          <a:p>
+            <a:pPr marL="457200" lvl="1" indent="0">
+              <a:buNone/>
+            </a:pPr>
+            <a:r>
+              <a:rPr lang="en-US" dirty="0" smtClean="0"/>
+              <a:t>Direct Path is faster because much of the overhead is removed. </a:t>
             </a:r>
             <a:endParaRPr lang="en-US" dirty="0"/>
           </a:p>
@@ -6421,7 +6325,7 @@
           <a:p>
             <a:r>
               <a:rPr lang="en-US" dirty="0" smtClean="0"/>
-              <a:t>External Tables or SQL*Loader</a:t>
+              <a:t>SQLLDR</a:t>
             </a:r>
             <a:endParaRPr lang="en-US" dirty="0"/>
           </a:p>
@@ -6442,72 +6346,43 @@
           <a:bodyPr/>
           <a:lstStyle/>
           <a:p>
-            <a:r>
-              <a:rPr lang="en-US" dirty="0" smtClean="0"/>
-              <a:t>External Tables</a:t>
-            </a:r>
-          </a:p>
-          <a:p>
-            <a:pPr lvl="1"/>
-            <a:r>
-              <a:rPr lang="en-US" dirty="0" smtClean="0"/>
-              <a:t>Transform the data as it is being loaded</a:t>
-            </a:r>
-          </a:p>
-          <a:p>
-            <a:pPr lvl="1"/>
-            <a:r>
-              <a:rPr lang="en-US" dirty="0" smtClean="0"/>
-              <a:t>Transparent parallel processing without having to split the external data first</a:t>
-            </a:r>
-          </a:p>
-          <a:p>
-            <a:pPr marL="457200" lvl="1" indent="0">
+            <a:pPr marL="0" indent="0">
               <a:buNone/>
             </a:pPr>
             <a:r>
               <a:rPr lang="en-US" dirty="0" smtClean="0"/>
-              <a:t>SQL*Loader</a:t>
-            </a:r>
-          </a:p>
-          <a:p>
-            <a:pPr marL="457200" lvl="1" indent="0">
-              <a:buNone/>
-            </a:pPr>
-            <a:r>
-              <a:rPr lang="en-US" dirty="0"/>
-              <a:t>	</a:t>
-            </a:r>
-            <a:r>
-              <a:rPr lang="en-US" dirty="0" smtClean="0"/>
-              <a:t>- Load data remotely</a:t>
-            </a:r>
-          </a:p>
-          <a:p>
-            <a:pPr marL="457200" lvl="1" indent="0">
-              <a:buNone/>
-            </a:pPr>
-            <a:r>
-              <a:rPr lang="en-US" dirty="0"/>
-              <a:t>	</a:t>
-            </a:r>
-            <a:r>
-              <a:rPr lang="en-US" dirty="0" smtClean="0"/>
-              <a:t>- Transformations are not required on the data, 	and the data does not need to be parallel</a:t>
-            </a:r>
-          </a:p>
-          <a:p>
-            <a:pPr marL="457200" lvl="1" indent="0">
+              <a:t>The command to start SQL* Loader is </a:t>
+            </a:r>
+            <a:r>
+              <a:rPr lang="en-US" b="1" dirty="0" smtClean="0"/>
+              <a:t>SQLLDR</a:t>
+            </a:r>
+            <a:r>
+              <a:rPr lang="en-US" dirty="0" smtClean="0"/>
+              <a:t>.  The only three parameters that is required  of the SQLLDR command are Username/password,   the control file  and the log file.  The other parameters are optional.  </a:t>
+            </a:r>
+          </a:p>
+          <a:p>
+            <a:pPr marL="0" indent="0">
               <a:buNone/>
             </a:pPr>
             <a:endParaRPr lang="en-US" dirty="0" smtClean="0"/>
+          </a:p>
+          <a:p>
+            <a:pPr marL="0" indent="0">
+              <a:buNone/>
+            </a:pPr>
+            <a:r>
+              <a:rPr lang="en-US" dirty="0" smtClean="0"/>
+              <a:t>However if records are rejected in the load process, the bad file is created automatically. </a:t>
+            </a:r>
           </a:p>
         </p:txBody>
       </p:sp>
     </p:spTree>
     <p:extLst>
       <p:ext uri="{BB962C8B-B14F-4D97-AF65-F5344CB8AC3E}">
-        <p14:creationId xmlns:p14="http://schemas.microsoft.com/office/powerpoint/2010/main" val="1522388215"/>
+        <p14:creationId xmlns:p14="http://schemas.microsoft.com/office/powerpoint/2010/main" val="727945708"/>
       </p:ext>
     </p:extLst>
   </p:cSld>

--- a/SQLLDR/SQL_loader_simplified.pptx
+++ b/SQLLDR/SQL_loader_simplified.pptx
@@ -5738,11 +5738,7 @@
           <a:p>
             <a:r>
               <a:rPr lang="en-US" dirty="0" smtClean="0"/>
-              <a:t>Generate error </a:t>
-            </a:r>
-            <a:r>
-              <a:rPr lang="en-US" dirty="0" smtClean="0"/>
-              <a:t>reports</a:t>
+              <a:t>Generate error reports</a:t>
             </a:r>
           </a:p>
           <a:p>
@@ -5986,15 +5982,7 @@
             </a:r>
             <a:r>
               <a:rPr lang="en-US" dirty="0" smtClean="0"/>
-              <a:t>– contains </a:t>
-            </a:r>
-            <a:r>
-              <a:rPr lang="en-US" dirty="0" smtClean="0"/>
-              <a:t>the </a:t>
-            </a:r>
-            <a:r>
-              <a:rPr lang="en-US" dirty="0" smtClean="0"/>
-              <a:t>data that will be loaded into the database</a:t>
+              <a:t>– contains the data that will be loaded into the database</a:t>
             </a:r>
           </a:p>
           <a:p>
@@ -6238,11 +6226,32 @@
             <a:pPr lvl="1"/>
             <a:r>
               <a:rPr lang="en-US" dirty="0" smtClean="0"/>
-              <a:t>Executes SQL statements to populate tables</a:t>
-            </a:r>
-          </a:p>
-          <a:p>
-            <a:pPr lvl="1"/>
+              <a:t>Executes SQL </a:t>
+            </a:r>
+            <a:r>
+              <a:rPr lang="en-US" dirty="0"/>
+              <a:t> </a:t>
+            </a:r>
+            <a:r>
+              <a:rPr lang="en-US" dirty="0" smtClean="0"/>
+              <a:t>INSERT</a:t>
+            </a:r>
+            <a:r>
+              <a:rPr lang="en-US" dirty="0" smtClean="0"/>
+              <a:t> statements </a:t>
+            </a:r>
+            <a:r>
+              <a:rPr lang="en-US" dirty="0" smtClean="0"/>
+              <a:t>to </a:t>
+            </a:r>
+            <a:r>
+              <a:rPr lang="en-US" smtClean="0"/>
+              <a:t>populate </a:t>
+            </a:r>
+            <a:r>
+              <a:rPr lang="en-US" smtClean="0"/>
+              <a:t>tables</a:t>
+            </a:r>
             <a:endParaRPr lang="en-US" dirty="0" smtClean="0"/>
           </a:p>
           <a:p>
